--- a/精雕实验室/精雕机现场布置.pptx
+++ b/精雕实验室/精雕机现场布置.pptx
@@ -8,7 +8,8 @@
     <p:sldId id="256" r:id="rId2"/>
     <p:sldId id="259" r:id="rId3"/>
     <p:sldId id="258" r:id="rId4"/>
-    <p:sldId id="257" r:id="rId5"/>
+    <p:sldId id="260" r:id="rId5"/>
+    <p:sldId id="257" r:id="rId6"/>
   </p:sldIdLst>
   <p:sldSz cx="15122525" cy="5761038"/>
   <p:notesSz cx="6858000" cy="9144000"/>
@@ -307,7 +308,7 @@
           <a:p>
             <a:fld id="{530820CF-B880-4189-942D-D702A7CBA730}" type="datetimeFigureOut">
               <a:rPr lang="zh-CN" altLang="en-US" smtClean="0"/>
-              <a:t>2014/3/3</a:t>
+              <a:t>2014/6/16</a:t>
             </a:fld>
             <a:endParaRPr lang="zh-CN" altLang="en-US"/>
           </a:p>
@@ -472,7 +473,7 @@
           <a:p>
             <a:fld id="{530820CF-B880-4189-942D-D702A7CBA730}" type="datetimeFigureOut">
               <a:rPr lang="zh-CN" altLang="en-US" smtClean="0"/>
-              <a:t>2014/3/3</a:t>
+              <a:t>2014/6/16</a:t>
             </a:fld>
             <a:endParaRPr lang="zh-CN" altLang="en-US"/>
           </a:p>
@@ -647,7 +648,7 @@
           <a:p>
             <a:fld id="{530820CF-B880-4189-942D-D702A7CBA730}" type="datetimeFigureOut">
               <a:rPr lang="zh-CN" altLang="en-US" smtClean="0"/>
-              <a:t>2014/3/3</a:t>
+              <a:t>2014/6/16</a:t>
             </a:fld>
             <a:endParaRPr lang="zh-CN" altLang="en-US"/>
           </a:p>
@@ -812,7 +813,7 @@
           <a:p>
             <a:fld id="{530820CF-B880-4189-942D-D702A7CBA730}" type="datetimeFigureOut">
               <a:rPr lang="zh-CN" altLang="en-US" smtClean="0"/>
-              <a:t>2014/3/3</a:t>
+              <a:t>2014/6/16</a:t>
             </a:fld>
             <a:endParaRPr lang="zh-CN" altLang="en-US"/>
           </a:p>
@@ -1053,7 +1054,7 @@
           <a:p>
             <a:fld id="{530820CF-B880-4189-942D-D702A7CBA730}" type="datetimeFigureOut">
               <a:rPr lang="zh-CN" altLang="en-US" smtClean="0"/>
-              <a:t>2014/3/3</a:t>
+              <a:t>2014/6/16</a:t>
             </a:fld>
             <a:endParaRPr lang="zh-CN" altLang="en-US"/>
           </a:p>
@@ -1336,7 +1337,7 @@
           <a:p>
             <a:fld id="{530820CF-B880-4189-942D-D702A7CBA730}" type="datetimeFigureOut">
               <a:rPr lang="zh-CN" altLang="en-US" smtClean="0"/>
-              <a:t>2014/3/3</a:t>
+              <a:t>2014/6/16</a:t>
             </a:fld>
             <a:endParaRPr lang="zh-CN" altLang="en-US"/>
           </a:p>
@@ -1753,7 +1754,7 @@
           <a:p>
             <a:fld id="{530820CF-B880-4189-942D-D702A7CBA730}" type="datetimeFigureOut">
               <a:rPr lang="zh-CN" altLang="en-US" smtClean="0"/>
-              <a:t>2014/3/3</a:t>
+              <a:t>2014/6/16</a:t>
             </a:fld>
             <a:endParaRPr lang="zh-CN" altLang="en-US"/>
           </a:p>
@@ -1866,7 +1867,7 @@
           <a:p>
             <a:fld id="{530820CF-B880-4189-942D-D702A7CBA730}" type="datetimeFigureOut">
               <a:rPr lang="zh-CN" altLang="en-US" smtClean="0"/>
-              <a:t>2014/3/3</a:t>
+              <a:t>2014/6/16</a:t>
             </a:fld>
             <a:endParaRPr lang="zh-CN" altLang="en-US"/>
           </a:p>
@@ -2120,7 +2121,7 @@
             <a:fld id="{530820CF-B880-4189-942D-D702A7CBA730}" type="datetimeFigureOut">
               <a:rPr lang="zh-CN" altLang="en-US" smtClean="0"/>
               <a:pPr/>
-              <a:t>2014/3/3</a:t>
+              <a:t>2014/6/16</a:t>
             </a:fld>
             <a:endParaRPr lang="zh-CN" altLang="en-US"/>
           </a:p>
@@ -11421,7 +11422,7 @@
           <a:p>
             <a:fld id="{530820CF-B880-4189-942D-D702A7CBA730}" type="datetimeFigureOut">
               <a:rPr lang="zh-CN" altLang="en-US" smtClean="0"/>
-              <a:t>2014/3/3</a:t>
+              <a:t>2014/6/16</a:t>
             </a:fld>
             <a:endParaRPr lang="zh-CN" altLang="en-US"/>
           </a:p>
@@ -11669,7 +11670,7 @@
           <a:p>
             <a:fld id="{530820CF-B880-4189-942D-D702A7CBA730}" type="datetimeFigureOut">
               <a:rPr lang="zh-CN" altLang="en-US" smtClean="0"/>
-              <a:t>2014/3/3</a:t>
+              <a:t>2014/6/16</a:t>
             </a:fld>
             <a:endParaRPr lang="zh-CN" altLang="en-US"/>
           </a:p>
@@ -11877,7 +11878,7 @@
           <a:p>
             <a:fld id="{530820CF-B880-4189-942D-D702A7CBA730}" type="datetimeFigureOut">
               <a:rPr lang="zh-CN" altLang="en-US" smtClean="0"/>
-              <a:t>2014/3/3</a:t>
+              <a:t>2014/6/16</a:t>
             </a:fld>
             <a:endParaRPr lang="zh-CN" altLang="en-US"/>
           </a:p>
@@ -14760,21 +14761,7 @@
                 <a:latin typeface="华文仿宋" pitchFamily="2" charset="-122"/>
                 <a:ea typeface="华文仿宋" pitchFamily="2" charset="-122"/>
               </a:rPr>
-              <a:t>电脑桌，</a:t>
-            </a:r>
-            <a:r>
-              <a:rPr lang="zh-CN" altLang="en-US" sz="1600" dirty="0" smtClean="0">
-                <a:latin typeface="华文仿宋" pitchFamily="2" charset="-122"/>
-                <a:ea typeface="华文仿宋" pitchFamily="2" charset="-122"/>
-              </a:rPr>
-              <a:t>参考</a:t>
-            </a:r>
-            <a:r>
-              <a:rPr lang="zh-CN" altLang="en-US" sz="1600" dirty="0" smtClean="0">
-                <a:latin typeface="华文仿宋" pitchFamily="2" charset="-122"/>
-                <a:ea typeface="华文仿宋" pitchFamily="2" charset="-122"/>
-              </a:rPr>
-              <a:t>尺寸</a:t>
+              <a:t>电脑桌，参考尺寸</a:t>
             </a:r>
             <a:r>
               <a:rPr lang="en-US" altLang="zh-CN" sz="1600" dirty="0" smtClean="0">
@@ -15315,14 +15302,7 @@
                   <a:latin typeface="华文仿宋" pitchFamily="2" charset="-122"/>
                   <a:ea typeface="华文仿宋" pitchFamily="2" charset="-122"/>
                 </a:rPr>
-                <a:t>10</a:t>
-              </a:r>
-              <a:r>
-                <a:rPr lang="en-US" altLang="zh-CN" sz="1600" dirty="0" smtClean="0">
-                  <a:latin typeface="华文仿宋" pitchFamily="2" charset="-122"/>
-                  <a:ea typeface="华文仿宋" pitchFamily="2" charset="-122"/>
-                </a:rPr>
-                <a:t>00</a:t>
+                <a:t>1000</a:t>
               </a:r>
               <a:endParaRPr lang="zh-CN" altLang="en-US" sz="1600" dirty="0">
                 <a:latin typeface="华文仿宋" pitchFamily="2" charset="-122"/>
@@ -15684,14 +15664,7 @@
                   <a:latin typeface="华文仿宋" pitchFamily="2" charset="-122"/>
                   <a:ea typeface="华文仿宋" pitchFamily="2" charset="-122"/>
                 </a:rPr>
-                <a:t>12</a:t>
-              </a:r>
-              <a:r>
-                <a:rPr lang="en-US" altLang="zh-CN" sz="1600" dirty="0" smtClean="0">
-                  <a:latin typeface="华文仿宋" pitchFamily="2" charset="-122"/>
-                  <a:ea typeface="华文仿宋" pitchFamily="2" charset="-122"/>
-                </a:rPr>
-                <a:t>00</a:t>
+                <a:t>1200</a:t>
               </a:r>
               <a:endParaRPr lang="zh-CN" altLang="en-US" sz="1600" dirty="0">
                 <a:latin typeface="华文仿宋" pitchFamily="2" charset="-122"/>
@@ -16016,14 +15989,7 @@
                   <a:latin typeface="华文仿宋" pitchFamily="2" charset="-122"/>
                   <a:ea typeface="华文仿宋" pitchFamily="2" charset="-122"/>
                 </a:rPr>
-                <a:t>11</a:t>
-              </a:r>
-              <a:r>
-                <a:rPr lang="en-US" altLang="zh-CN" sz="1600" dirty="0" smtClean="0">
-                  <a:latin typeface="华文仿宋" pitchFamily="2" charset="-122"/>
-                  <a:ea typeface="华文仿宋" pitchFamily="2" charset="-122"/>
-                </a:rPr>
-                <a:t>00</a:t>
+                <a:t>1100</a:t>
               </a:r>
               <a:endParaRPr lang="zh-CN" altLang="en-US" sz="1600" dirty="0">
                 <a:latin typeface="华文仿宋" pitchFamily="2" charset="-122"/>
@@ -19161,21 +19127,7 @@
                 <a:latin typeface="华文仿宋" pitchFamily="2" charset="-122"/>
                 <a:ea typeface="华文仿宋" pitchFamily="2" charset="-122"/>
               </a:rPr>
-              <a:t>电脑桌，</a:t>
-            </a:r>
-            <a:r>
-              <a:rPr lang="zh-CN" altLang="en-US" sz="1600" dirty="0" smtClean="0">
-                <a:latin typeface="华文仿宋" pitchFamily="2" charset="-122"/>
-                <a:ea typeface="华文仿宋" pitchFamily="2" charset="-122"/>
-              </a:rPr>
-              <a:t>参考</a:t>
-            </a:r>
-            <a:r>
-              <a:rPr lang="zh-CN" altLang="en-US" sz="1600" dirty="0" smtClean="0">
-                <a:latin typeface="华文仿宋" pitchFamily="2" charset="-122"/>
-                <a:ea typeface="华文仿宋" pitchFamily="2" charset="-122"/>
-              </a:rPr>
-              <a:t>尺寸</a:t>
+              <a:t>电脑桌，参考尺寸</a:t>
             </a:r>
             <a:r>
               <a:rPr lang="en-US" altLang="zh-CN" sz="1600" dirty="0" smtClean="0">
@@ -19631,14 +19583,7 @@
                   <a:latin typeface="华文仿宋" pitchFamily="2" charset="-122"/>
                   <a:ea typeface="华文仿宋" pitchFamily="2" charset="-122"/>
                 </a:rPr>
-                <a:t>10</a:t>
-              </a:r>
-              <a:r>
-                <a:rPr lang="en-US" altLang="zh-CN" sz="1600" dirty="0" smtClean="0">
-                  <a:latin typeface="华文仿宋" pitchFamily="2" charset="-122"/>
-                  <a:ea typeface="华文仿宋" pitchFamily="2" charset="-122"/>
-                </a:rPr>
-                <a:t>00</a:t>
+                <a:t>1000</a:t>
               </a:r>
               <a:endParaRPr lang="zh-CN" altLang="en-US" sz="1600" dirty="0">
                 <a:latin typeface="华文仿宋" pitchFamily="2" charset="-122"/>
@@ -20000,14 +19945,7 @@
                   <a:latin typeface="华文仿宋" pitchFamily="2" charset="-122"/>
                   <a:ea typeface="华文仿宋" pitchFamily="2" charset="-122"/>
                 </a:rPr>
-                <a:t>12</a:t>
-              </a:r>
-              <a:r>
-                <a:rPr lang="en-US" altLang="zh-CN" sz="1600" dirty="0" smtClean="0">
-                  <a:latin typeface="华文仿宋" pitchFamily="2" charset="-122"/>
-                  <a:ea typeface="华文仿宋" pitchFamily="2" charset="-122"/>
-                </a:rPr>
-                <a:t>00</a:t>
+                <a:t>1200</a:t>
               </a:r>
               <a:endParaRPr lang="zh-CN" altLang="en-US" sz="1600" dirty="0">
                 <a:latin typeface="华文仿宋" pitchFamily="2" charset="-122"/>
@@ -20332,14 +20270,7 @@
                   <a:latin typeface="华文仿宋" pitchFamily="2" charset="-122"/>
                   <a:ea typeface="华文仿宋" pitchFamily="2" charset="-122"/>
                 </a:rPr>
-                <a:t>11</a:t>
-              </a:r>
-              <a:r>
-                <a:rPr lang="en-US" altLang="zh-CN" sz="1600" dirty="0" smtClean="0">
-                  <a:latin typeface="华文仿宋" pitchFamily="2" charset="-122"/>
-                  <a:ea typeface="华文仿宋" pitchFamily="2" charset="-122"/>
-                </a:rPr>
-                <a:t>00</a:t>
+                <a:t>1100</a:t>
               </a:r>
               <a:endParaRPr lang="zh-CN" altLang="en-US" sz="1600" dirty="0">
                 <a:latin typeface="华文仿宋" pitchFamily="2" charset="-122"/>
@@ -22618,6 +22549,2074 @@
 </file>
 
 <file path=ppt/slides/slide4.xml><?xml version="1.0" encoding="utf-8"?>
+<p:sld xmlns:a="http://schemas.openxmlformats.org/drawingml/2006/main" xmlns:r="http://schemas.openxmlformats.org/officeDocument/2006/relationships" xmlns:p="http://schemas.openxmlformats.org/presentationml/2006/main">
+  <p:cSld>
+    <p:spTree>
+      <p:nvGrpSpPr>
+        <p:cNvPr id="1" name=""/>
+        <p:cNvGrpSpPr/>
+        <p:nvPr/>
+      </p:nvGrpSpPr>
+      <p:grpSpPr>
+        <a:xfrm>
+          <a:off x="0" y="0"/>
+          <a:ext cx="0" cy="0"/>
+          <a:chOff x="0" y="0"/>
+          <a:chExt cx="0" cy="0"/>
+        </a:xfrm>
+      </p:grpSpPr>
+      <p:sp>
+        <p:nvSpPr>
+          <p:cNvPr id="2" name="矩形 1"/>
+          <p:cNvSpPr/>
+          <p:nvPr/>
+        </p:nvSpPr>
+        <p:spPr>
+          <a:xfrm>
+            <a:off x="4164819" y="3680227"/>
+            <a:ext cx="763200" cy="594000"/>
+          </a:xfrm>
+          <a:prstGeom prst="rect">
+            <a:avLst/>
+          </a:prstGeom>
+          <a:solidFill>
+            <a:schemeClr val="bg1"/>
+          </a:solidFill>
+          <a:ln>
+            <a:solidFill>
+              <a:srgbClr val="C00000"/>
+            </a:solidFill>
+          </a:ln>
+        </p:spPr>
+        <p:style>
+          <a:lnRef idx="2">
+            <a:schemeClr val="accent1">
+              <a:shade val="50000"/>
+            </a:schemeClr>
+          </a:lnRef>
+          <a:fillRef idx="1">
+            <a:schemeClr val="accent1"/>
+          </a:fillRef>
+          <a:effectRef idx="0">
+            <a:schemeClr val="accent1"/>
+          </a:effectRef>
+          <a:fontRef idx="minor">
+            <a:schemeClr val="lt1"/>
+          </a:fontRef>
+        </p:style>
+        <p:txBody>
+          <a:bodyPr rtlCol="0" anchor="ctr"/>
+          <a:lstStyle/>
+          <a:p>
+            <a:pPr algn="ctr"/>
+            <a:r>
+              <a:rPr lang="en-US" altLang="zh-CN" sz="1000" dirty="0" smtClean="0">
+                <a:solidFill>
+                  <a:sysClr val="windowText" lastClr="000000"/>
+                </a:solidFill>
+                <a:latin typeface="华文仿宋" pitchFamily="2" charset="-122"/>
+                <a:ea typeface="华文仿宋" pitchFamily="2" charset="-122"/>
+              </a:rPr>
+              <a:t>Carver400TE_A10E</a:t>
+            </a:r>
+            <a:endParaRPr lang="zh-CN" altLang="en-US" sz="1000" dirty="0">
+              <a:solidFill>
+                <a:sysClr val="windowText" lastClr="000000"/>
+              </a:solidFill>
+              <a:latin typeface="华文仿宋" pitchFamily="2" charset="-122"/>
+              <a:ea typeface="华文仿宋" pitchFamily="2" charset="-122"/>
+            </a:endParaRPr>
+          </a:p>
+        </p:txBody>
+      </p:sp>
+      <p:sp>
+        <p:nvSpPr>
+          <p:cNvPr id="4" name="矩形 3"/>
+          <p:cNvSpPr/>
+          <p:nvPr/>
+        </p:nvSpPr>
+        <p:spPr>
+          <a:xfrm>
+            <a:off x="6454744" y="2528099"/>
+            <a:ext cx="763200" cy="594000"/>
+          </a:xfrm>
+          <a:prstGeom prst="rect">
+            <a:avLst/>
+          </a:prstGeom>
+          <a:solidFill>
+            <a:schemeClr val="bg1"/>
+          </a:solidFill>
+          <a:ln>
+            <a:solidFill>
+              <a:srgbClr val="C00000"/>
+            </a:solidFill>
+          </a:ln>
+        </p:spPr>
+        <p:style>
+          <a:lnRef idx="2">
+            <a:schemeClr val="accent1">
+              <a:shade val="50000"/>
+            </a:schemeClr>
+          </a:lnRef>
+          <a:fillRef idx="1">
+            <a:schemeClr val="accent1"/>
+          </a:fillRef>
+          <a:effectRef idx="0">
+            <a:schemeClr val="accent1"/>
+          </a:effectRef>
+          <a:fontRef idx="minor">
+            <a:schemeClr val="lt1"/>
+          </a:fontRef>
+        </p:style>
+        <p:txBody>
+          <a:bodyPr rtlCol="0" anchor="ctr"/>
+          <a:lstStyle/>
+          <a:p>
+            <a:pPr algn="ctr"/>
+            <a:r>
+              <a:rPr lang="en-US" altLang="zh-CN" sz="1000" dirty="0" smtClean="0">
+                <a:solidFill>
+                  <a:sysClr val="windowText" lastClr="000000"/>
+                </a:solidFill>
+                <a:latin typeface="华文仿宋" pitchFamily="2" charset="-122"/>
+                <a:ea typeface="华文仿宋" pitchFamily="2" charset="-122"/>
+              </a:rPr>
+              <a:t>Carver400TE_A10E</a:t>
+            </a:r>
+            <a:endParaRPr lang="zh-CN" altLang="en-US" sz="1000" dirty="0">
+              <a:solidFill>
+                <a:sysClr val="windowText" lastClr="000000"/>
+              </a:solidFill>
+              <a:latin typeface="华文仿宋" pitchFamily="2" charset="-122"/>
+              <a:ea typeface="华文仿宋" pitchFamily="2" charset="-122"/>
+            </a:endParaRPr>
+          </a:p>
+        </p:txBody>
+      </p:sp>
+      <p:sp>
+        <p:nvSpPr>
+          <p:cNvPr id="6" name="矩形 5"/>
+          <p:cNvSpPr/>
+          <p:nvPr/>
+        </p:nvSpPr>
+        <p:spPr>
+          <a:xfrm>
+            <a:off x="5691544" y="3680227"/>
+            <a:ext cx="763200" cy="594000"/>
+          </a:xfrm>
+          <a:prstGeom prst="rect">
+            <a:avLst/>
+          </a:prstGeom>
+          <a:solidFill>
+            <a:schemeClr val="bg1"/>
+          </a:solidFill>
+          <a:ln>
+            <a:solidFill>
+              <a:srgbClr val="C00000"/>
+            </a:solidFill>
+          </a:ln>
+        </p:spPr>
+        <p:style>
+          <a:lnRef idx="2">
+            <a:schemeClr val="accent1">
+              <a:shade val="50000"/>
+            </a:schemeClr>
+          </a:lnRef>
+          <a:fillRef idx="1">
+            <a:schemeClr val="accent1"/>
+          </a:fillRef>
+          <a:effectRef idx="0">
+            <a:schemeClr val="accent1"/>
+          </a:effectRef>
+          <a:fontRef idx="minor">
+            <a:schemeClr val="lt1"/>
+          </a:fontRef>
+        </p:style>
+        <p:txBody>
+          <a:bodyPr rtlCol="0" anchor="ctr"/>
+          <a:lstStyle/>
+          <a:p>
+            <a:pPr algn="ctr"/>
+            <a:r>
+              <a:rPr lang="en-US" altLang="zh-CN" sz="1000" dirty="0" smtClean="0">
+                <a:solidFill>
+                  <a:sysClr val="windowText" lastClr="000000"/>
+                </a:solidFill>
+                <a:latin typeface="华文仿宋" pitchFamily="2" charset="-122"/>
+                <a:ea typeface="华文仿宋" pitchFamily="2" charset="-122"/>
+              </a:rPr>
+              <a:t>Carver400TE_A10E</a:t>
+            </a:r>
+            <a:endParaRPr lang="zh-CN" altLang="en-US" sz="1000" dirty="0">
+              <a:solidFill>
+                <a:sysClr val="windowText" lastClr="000000"/>
+              </a:solidFill>
+              <a:latin typeface="华文仿宋" pitchFamily="2" charset="-122"/>
+              <a:ea typeface="华文仿宋" pitchFamily="2" charset="-122"/>
+            </a:endParaRPr>
+          </a:p>
+        </p:txBody>
+      </p:sp>
+      <p:sp>
+        <p:nvSpPr>
+          <p:cNvPr id="7" name="矩形 6"/>
+          <p:cNvSpPr/>
+          <p:nvPr/>
+        </p:nvSpPr>
+        <p:spPr>
+          <a:xfrm>
+            <a:off x="4924292" y="2527536"/>
+            <a:ext cx="763200" cy="594000"/>
+          </a:xfrm>
+          <a:prstGeom prst="rect">
+            <a:avLst/>
+          </a:prstGeom>
+          <a:solidFill>
+            <a:schemeClr val="bg1"/>
+          </a:solidFill>
+          <a:ln>
+            <a:solidFill>
+              <a:srgbClr val="C00000"/>
+            </a:solidFill>
+          </a:ln>
+        </p:spPr>
+        <p:style>
+          <a:lnRef idx="2">
+            <a:schemeClr val="accent1">
+              <a:shade val="50000"/>
+            </a:schemeClr>
+          </a:lnRef>
+          <a:fillRef idx="1">
+            <a:schemeClr val="accent1"/>
+          </a:fillRef>
+          <a:effectRef idx="0">
+            <a:schemeClr val="accent1"/>
+          </a:effectRef>
+          <a:fontRef idx="minor">
+            <a:schemeClr val="lt1"/>
+          </a:fontRef>
+        </p:style>
+        <p:txBody>
+          <a:bodyPr rtlCol="0" anchor="ctr"/>
+          <a:lstStyle/>
+          <a:p>
+            <a:pPr algn="ctr"/>
+            <a:r>
+              <a:rPr lang="en-US" altLang="zh-CN" sz="1000" dirty="0" smtClean="0">
+                <a:solidFill>
+                  <a:sysClr val="windowText" lastClr="000000"/>
+                </a:solidFill>
+                <a:latin typeface="华文仿宋" pitchFamily="2" charset="-122"/>
+                <a:ea typeface="华文仿宋" pitchFamily="2" charset="-122"/>
+              </a:rPr>
+              <a:t>Carver400TE_A10E</a:t>
+            </a:r>
+            <a:endParaRPr lang="zh-CN" altLang="en-US" sz="1000" dirty="0">
+              <a:solidFill>
+                <a:sysClr val="windowText" lastClr="000000"/>
+              </a:solidFill>
+              <a:latin typeface="华文仿宋" pitchFamily="2" charset="-122"/>
+              <a:ea typeface="华文仿宋" pitchFamily="2" charset="-122"/>
+            </a:endParaRPr>
+          </a:p>
+        </p:txBody>
+      </p:sp>
+      <p:sp>
+        <p:nvSpPr>
+          <p:cNvPr id="9" name="矩形 8"/>
+          <p:cNvSpPr/>
+          <p:nvPr/>
+        </p:nvSpPr>
+        <p:spPr>
+          <a:xfrm>
+            <a:off x="7213169" y="3680299"/>
+            <a:ext cx="943200" cy="648000"/>
+          </a:xfrm>
+          <a:prstGeom prst="rect">
+            <a:avLst/>
+          </a:prstGeom>
+          <a:solidFill>
+            <a:schemeClr val="bg1"/>
+          </a:solidFill>
+          <a:ln>
+            <a:solidFill>
+              <a:srgbClr val="C00000"/>
+            </a:solidFill>
+          </a:ln>
+        </p:spPr>
+        <p:style>
+          <a:lnRef idx="2">
+            <a:schemeClr val="accent1">
+              <a:shade val="50000"/>
+            </a:schemeClr>
+          </a:lnRef>
+          <a:fillRef idx="1">
+            <a:schemeClr val="accent1"/>
+          </a:fillRef>
+          <a:effectRef idx="0">
+            <a:schemeClr val="accent1"/>
+          </a:effectRef>
+          <a:fontRef idx="minor">
+            <a:schemeClr val="lt1"/>
+          </a:fontRef>
+        </p:style>
+        <p:txBody>
+          <a:bodyPr rtlCol="0" anchor="ctr"/>
+          <a:lstStyle/>
+          <a:p>
+            <a:pPr algn="ctr"/>
+            <a:r>
+              <a:rPr lang="en-US" altLang="zh-CN" sz="1000" dirty="0" smtClean="0">
+                <a:solidFill>
+                  <a:sysClr val="windowText" lastClr="000000"/>
+                </a:solidFill>
+                <a:latin typeface="华文仿宋" pitchFamily="2" charset="-122"/>
+                <a:ea typeface="华文仿宋" pitchFamily="2" charset="-122"/>
+              </a:rPr>
+              <a:t>Carver600TE_A12E</a:t>
+            </a:r>
+            <a:endParaRPr lang="zh-CN" altLang="en-US" sz="1000" dirty="0">
+              <a:solidFill>
+                <a:sysClr val="windowText" lastClr="000000"/>
+              </a:solidFill>
+              <a:latin typeface="华文仿宋" pitchFamily="2" charset="-122"/>
+              <a:ea typeface="华文仿宋" pitchFamily="2" charset="-122"/>
+            </a:endParaRPr>
+          </a:p>
+        </p:txBody>
+      </p:sp>
+      <p:grpSp>
+        <p:nvGrpSpPr>
+          <p:cNvPr id="34" name="组合 33"/>
+          <p:cNvGrpSpPr/>
+          <p:nvPr/>
+        </p:nvGrpSpPr>
+        <p:grpSpPr>
+          <a:xfrm>
+            <a:off x="12754305" y="1656383"/>
+            <a:ext cx="1602157" cy="1211230"/>
+            <a:chOff x="12608766" y="1791819"/>
+            <a:chExt cx="1602157" cy="1211230"/>
+          </a:xfrm>
+        </p:grpSpPr>
+        <p:sp>
+          <p:nvSpPr>
+            <p:cNvPr id="5" name="矩形 4"/>
+            <p:cNvSpPr/>
+            <p:nvPr/>
+          </p:nvSpPr>
+          <p:spPr>
+            <a:xfrm>
+              <a:off x="12608766" y="1797597"/>
+              <a:ext cx="763200" cy="594000"/>
+            </a:xfrm>
+            <a:prstGeom prst="rect">
+              <a:avLst/>
+            </a:prstGeom>
+            <a:solidFill>
+              <a:schemeClr val="bg1"/>
+            </a:solidFill>
+            <a:ln>
+              <a:solidFill>
+                <a:srgbClr val="C00000"/>
+              </a:solidFill>
+            </a:ln>
+          </p:spPr>
+          <p:style>
+            <a:lnRef idx="2">
+              <a:schemeClr val="accent1">
+                <a:shade val="50000"/>
+              </a:schemeClr>
+            </a:lnRef>
+            <a:fillRef idx="1">
+              <a:schemeClr val="accent1"/>
+            </a:fillRef>
+            <a:effectRef idx="0">
+              <a:schemeClr val="accent1"/>
+            </a:effectRef>
+            <a:fontRef idx="minor">
+              <a:schemeClr val="lt1"/>
+            </a:fontRef>
+          </p:style>
+          <p:txBody>
+            <a:bodyPr rtlCol="0" anchor="ctr"/>
+            <a:lstStyle/>
+            <a:p>
+              <a:pPr algn="ctr"/>
+              <a:r>
+                <a:rPr lang="en-US" altLang="zh-CN" sz="1000" dirty="0" smtClean="0">
+                  <a:solidFill>
+                    <a:sysClr val="windowText" lastClr="000000"/>
+                  </a:solidFill>
+                  <a:latin typeface="华文仿宋" pitchFamily="2" charset="-122"/>
+                  <a:ea typeface="华文仿宋" pitchFamily="2" charset="-122"/>
+                </a:rPr>
+                <a:t>Carver400TE_A10E</a:t>
+              </a:r>
+              <a:endParaRPr lang="zh-CN" altLang="en-US" sz="1000" dirty="0">
+                <a:solidFill>
+                  <a:sysClr val="windowText" lastClr="000000"/>
+                </a:solidFill>
+                <a:latin typeface="华文仿宋" pitchFamily="2" charset="-122"/>
+                <a:ea typeface="华文仿宋" pitchFamily="2" charset="-122"/>
+              </a:endParaRPr>
+            </a:p>
+          </p:txBody>
+        </p:sp>
+        <p:cxnSp>
+          <p:nvCxnSpPr>
+            <p:cNvPr id="12" name="直接连接符 11"/>
+            <p:cNvCxnSpPr/>
+            <p:nvPr/>
+          </p:nvCxnSpPr>
+          <p:spPr>
+            <a:xfrm>
+              <a:off x="12610143" y="2665088"/>
+              <a:ext cx="761823" cy="0"/>
+            </a:xfrm>
+            <a:prstGeom prst="line">
+              <a:avLst/>
+            </a:prstGeom>
+            <a:ln w="6350">
+              <a:solidFill>
+                <a:schemeClr val="tx1"/>
+              </a:solidFill>
+              <a:headEnd type="triangle" w="sm" len="lg"/>
+              <a:tailEnd type="triangle" w="sm" len="lg"/>
+            </a:ln>
+          </p:spPr>
+          <p:style>
+            <a:lnRef idx="1">
+              <a:schemeClr val="accent1"/>
+            </a:lnRef>
+            <a:fillRef idx="0">
+              <a:schemeClr val="accent1"/>
+            </a:fillRef>
+            <a:effectRef idx="0">
+              <a:schemeClr val="accent1"/>
+            </a:effectRef>
+            <a:fontRef idx="minor">
+              <a:schemeClr val="tx1"/>
+            </a:fontRef>
+          </p:style>
+        </p:cxnSp>
+        <p:cxnSp>
+          <p:nvCxnSpPr>
+            <p:cNvPr id="13" name="直接连接符 12"/>
+            <p:cNvCxnSpPr/>
+            <p:nvPr/>
+          </p:nvCxnSpPr>
+          <p:spPr>
+            <a:xfrm>
+              <a:off x="12610143" y="2403203"/>
+              <a:ext cx="0" cy="360000"/>
+            </a:xfrm>
+            <a:prstGeom prst="line">
+              <a:avLst/>
+            </a:prstGeom>
+            <a:ln w="6350">
+              <a:solidFill>
+                <a:schemeClr val="tx1"/>
+              </a:solidFill>
+            </a:ln>
+          </p:spPr>
+          <p:style>
+            <a:lnRef idx="1">
+              <a:schemeClr val="accent1"/>
+            </a:lnRef>
+            <a:fillRef idx="0">
+              <a:schemeClr val="accent1"/>
+            </a:fillRef>
+            <a:effectRef idx="0">
+              <a:schemeClr val="accent1"/>
+            </a:effectRef>
+            <a:fontRef idx="minor">
+              <a:schemeClr val="tx1"/>
+            </a:fontRef>
+          </p:style>
+        </p:cxnSp>
+        <p:sp>
+          <p:nvSpPr>
+            <p:cNvPr id="14" name="TextBox 13"/>
+            <p:cNvSpPr txBox="1"/>
+            <p:nvPr/>
+          </p:nvSpPr>
+          <p:spPr>
+            <a:xfrm>
+              <a:off x="12706360" y="2664495"/>
+              <a:ext cx="569388" cy="338554"/>
+            </a:xfrm>
+            <a:prstGeom prst="rect">
+              <a:avLst/>
+            </a:prstGeom>
+            <a:noFill/>
+          </p:spPr>
+          <p:txBody>
+            <a:bodyPr wrap="none" rtlCol="0">
+              <a:spAutoFit/>
+            </a:bodyPr>
+            <a:lstStyle/>
+            <a:p>
+              <a:pPr algn="ctr"/>
+              <a:r>
+                <a:rPr lang="en-US" altLang="zh-CN" sz="1600" dirty="0" smtClean="0">
+                  <a:latin typeface="华文仿宋" pitchFamily="2" charset="-122"/>
+                  <a:ea typeface="华文仿宋" pitchFamily="2" charset="-122"/>
+                </a:rPr>
+                <a:t>2115</a:t>
+              </a:r>
+              <a:endParaRPr lang="zh-CN" altLang="en-US" sz="1600" dirty="0">
+                <a:latin typeface="华文仿宋" pitchFamily="2" charset="-122"/>
+                <a:ea typeface="华文仿宋" pitchFamily="2" charset="-122"/>
+              </a:endParaRPr>
+            </a:p>
+          </p:txBody>
+        </p:sp>
+        <p:cxnSp>
+          <p:nvCxnSpPr>
+            <p:cNvPr id="15" name="直接连接符 14"/>
+            <p:cNvCxnSpPr/>
+            <p:nvPr/>
+          </p:nvCxnSpPr>
+          <p:spPr>
+            <a:xfrm>
+              <a:off x="13371966" y="2403203"/>
+              <a:ext cx="0" cy="360000"/>
+            </a:xfrm>
+            <a:prstGeom prst="line">
+              <a:avLst/>
+            </a:prstGeom>
+            <a:ln w="6350">
+              <a:solidFill>
+                <a:schemeClr val="tx1"/>
+              </a:solidFill>
+            </a:ln>
+          </p:spPr>
+          <p:style>
+            <a:lnRef idx="1">
+              <a:schemeClr val="accent1"/>
+            </a:lnRef>
+            <a:fillRef idx="0">
+              <a:schemeClr val="accent1"/>
+            </a:fillRef>
+            <a:effectRef idx="0">
+              <a:schemeClr val="accent1"/>
+            </a:effectRef>
+            <a:fontRef idx="minor">
+              <a:schemeClr val="tx1"/>
+            </a:fontRef>
+          </p:style>
+        </p:cxnSp>
+        <p:cxnSp>
+          <p:nvCxnSpPr>
+            <p:cNvPr id="16" name="直接连接符 15"/>
+            <p:cNvCxnSpPr/>
+            <p:nvPr/>
+          </p:nvCxnSpPr>
+          <p:spPr>
+            <a:xfrm>
+              <a:off x="13384666" y="1791819"/>
+              <a:ext cx="360000" cy="0"/>
+            </a:xfrm>
+            <a:prstGeom prst="line">
+              <a:avLst/>
+            </a:prstGeom>
+            <a:ln w="6350">
+              <a:solidFill>
+                <a:schemeClr val="tx1"/>
+              </a:solidFill>
+            </a:ln>
+          </p:spPr>
+          <p:style>
+            <a:lnRef idx="1">
+              <a:schemeClr val="accent1"/>
+            </a:lnRef>
+            <a:fillRef idx="0">
+              <a:schemeClr val="accent1"/>
+            </a:fillRef>
+            <a:effectRef idx="0">
+              <a:schemeClr val="accent1"/>
+            </a:effectRef>
+            <a:fontRef idx="minor">
+              <a:schemeClr val="tx1"/>
+            </a:fontRef>
+          </p:style>
+        </p:cxnSp>
+        <p:cxnSp>
+          <p:nvCxnSpPr>
+            <p:cNvPr id="17" name="直接连接符 16"/>
+            <p:cNvCxnSpPr/>
+            <p:nvPr/>
+          </p:nvCxnSpPr>
+          <p:spPr>
+            <a:xfrm>
+              <a:off x="13636698" y="1791819"/>
+              <a:ext cx="0" cy="599778"/>
+            </a:xfrm>
+            <a:prstGeom prst="line">
+              <a:avLst/>
+            </a:prstGeom>
+            <a:ln w="6350">
+              <a:solidFill>
+                <a:schemeClr val="tx1"/>
+              </a:solidFill>
+              <a:headEnd type="triangle" w="sm" len="lg"/>
+              <a:tailEnd type="triangle" w="sm" len="lg"/>
+            </a:ln>
+          </p:spPr>
+          <p:style>
+            <a:lnRef idx="1">
+              <a:schemeClr val="accent1"/>
+            </a:lnRef>
+            <a:fillRef idx="0">
+              <a:schemeClr val="accent1"/>
+            </a:fillRef>
+            <a:effectRef idx="0">
+              <a:schemeClr val="accent1"/>
+            </a:effectRef>
+            <a:fontRef idx="minor">
+              <a:schemeClr val="tx1"/>
+            </a:fontRef>
+          </p:style>
+        </p:cxnSp>
+        <p:sp>
+          <p:nvSpPr>
+            <p:cNvPr id="18" name="TextBox 17"/>
+            <p:cNvSpPr txBox="1"/>
+            <p:nvPr/>
+          </p:nvSpPr>
+          <p:spPr>
+            <a:xfrm>
+              <a:off x="13641536" y="1922431"/>
+              <a:ext cx="569387" cy="338554"/>
+            </a:xfrm>
+            <a:prstGeom prst="rect">
+              <a:avLst/>
+            </a:prstGeom>
+            <a:noFill/>
+          </p:spPr>
+          <p:txBody>
+            <a:bodyPr wrap="none" rtlCol="0">
+              <a:spAutoFit/>
+            </a:bodyPr>
+            <a:lstStyle/>
+            <a:p>
+              <a:r>
+                <a:rPr lang="en-US" altLang="zh-CN" sz="1600" dirty="0" smtClean="0">
+                  <a:latin typeface="华文仿宋" pitchFamily="2" charset="-122"/>
+                  <a:ea typeface="华文仿宋" pitchFamily="2" charset="-122"/>
+                </a:rPr>
+                <a:t>1650</a:t>
+              </a:r>
+              <a:endParaRPr lang="zh-CN" altLang="en-US" sz="1600" dirty="0">
+                <a:latin typeface="华文仿宋" pitchFamily="2" charset="-122"/>
+                <a:ea typeface="华文仿宋" pitchFamily="2" charset="-122"/>
+              </a:endParaRPr>
+            </a:p>
+          </p:txBody>
+        </p:sp>
+        <p:cxnSp>
+          <p:nvCxnSpPr>
+            <p:cNvPr id="19" name="直接连接符 18"/>
+            <p:cNvCxnSpPr/>
+            <p:nvPr/>
+          </p:nvCxnSpPr>
+          <p:spPr>
+            <a:xfrm>
+              <a:off x="13384666" y="2391597"/>
+              <a:ext cx="360000" cy="0"/>
+            </a:xfrm>
+            <a:prstGeom prst="line">
+              <a:avLst/>
+            </a:prstGeom>
+            <a:ln w="6350">
+              <a:solidFill>
+                <a:schemeClr val="tx1"/>
+              </a:solidFill>
+            </a:ln>
+          </p:spPr>
+          <p:style>
+            <a:lnRef idx="1">
+              <a:schemeClr val="accent1"/>
+            </a:lnRef>
+            <a:fillRef idx="0">
+              <a:schemeClr val="accent1"/>
+            </a:fillRef>
+            <a:effectRef idx="0">
+              <a:schemeClr val="accent1"/>
+            </a:effectRef>
+            <a:fontRef idx="minor">
+              <a:schemeClr val="tx1"/>
+            </a:fontRef>
+          </p:style>
+        </p:cxnSp>
+      </p:grpSp>
+      <p:sp>
+        <p:nvSpPr>
+          <p:cNvPr id="20" name="矩形 19"/>
+          <p:cNvSpPr/>
+          <p:nvPr/>
+        </p:nvSpPr>
+        <p:spPr>
+          <a:xfrm>
+            <a:off x="3401619" y="2527536"/>
+            <a:ext cx="763200" cy="594000"/>
+          </a:xfrm>
+          <a:prstGeom prst="rect">
+            <a:avLst/>
+          </a:prstGeom>
+          <a:solidFill>
+            <a:schemeClr val="bg1"/>
+          </a:solidFill>
+          <a:ln>
+            <a:solidFill>
+              <a:srgbClr val="C00000"/>
+            </a:solidFill>
+          </a:ln>
+        </p:spPr>
+        <p:style>
+          <a:lnRef idx="2">
+            <a:schemeClr val="accent1">
+              <a:shade val="50000"/>
+            </a:schemeClr>
+          </a:lnRef>
+          <a:fillRef idx="1">
+            <a:schemeClr val="accent1"/>
+          </a:fillRef>
+          <a:effectRef idx="0">
+            <a:schemeClr val="accent1"/>
+          </a:effectRef>
+          <a:fontRef idx="minor">
+            <a:schemeClr val="lt1"/>
+          </a:fontRef>
+        </p:style>
+        <p:txBody>
+          <a:bodyPr rtlCol="0" anchor="ctr"/>
+          <a:lstStyle/>
+          <a:p>
+            <a:pPr algn="ctr"/>
+            <a:r>
+              <a:rPr lang="en-US" altLang="zh-CN" sz="1000" dirty="0" smtClean="0">
+                <a:solidFill>
+                  <a:sysClr val="windowText" lastClr="000000"/>
+                </a:solidFill>
+                <a:latin typeface="华文仿宋" pitchFamily="2" charset="-122"/>
+                <a:ea typeface="华文仿宋" pitchFamily="2" charset="-122"/>
+              </a:rPr>
+              <a:t>Carver400TE_A10E</a:t>
+            </a:r>
+            <a:endParaRPr lang="zh-CN" altLang="en-US" sz="1000" dirty="0">
+              <a:solidFill>
+                <a:sysClr val="windowText" lastClr="000000"/>
+              </a:solidFill>
+              <a:latin typeface="华文仿宋" pitchFamily="2" charset="-122"/>
+              <a:ea typeface="华文仿宋" pitchFamily="2" charset="-122"/>
+            </a:endParaRPr>
+          </a:p>
+        </p:txBody>
+      </p:sp>
+      <p:sp>
+        <p:nvSpPr>
+          <p:cNvPr id="21" name="矩形 20"/>
+          <p:cNvSpPr/>
+          <p:nvPr/>
+        </p:nvSpPr>
+        <p:spPr>
+          <a:xfrm>
+            <a:off x="8156369" y="2474099"/>
+            <a:ext cx="943200" cy="648000"/>
+          </a:xfrm>
+          <a:prstGeom prst="rect">
+            <a:avLst/>
+          </a:prstGeom>
+          <a:solidFill>
+            <a:schemeClr val="bg1"/>
+          </a:solidFill>
+          <a:ln>
+            <a:solidFill>
+              <a:srgbClr val="C00000"/>
+            </a:solidFill>
+          </a:ln>
+        </p:spPr>
+        <p:style>
+          <a:lnRef idx="2">
+            <a:schemeClr val="accent1">
+              <a:shade val="50000"/>
+            </a:schemeClr>
+          </a:lnRef>
+          <a:fillRef idx="1">
+            <a:schemeClr val="accent1"/>
+          </a:fillRef>
+          <a:effectRef idx="0">
+            <a:schemeClr val="accent1"/>
+          </a:effectRef>
+          <a:fontRef idx="minor">
+            <a:schemeClr val="lt1"/>
+          </a:fontRef>
+        </p:style>
+        <p:txBody>
+          <a:bodyPr rtlCol="0" anchor="ctr"/>
+          <a:lstStyle/>
+          <a:p>
+            <a:pPr algn="ctr"/>
+            <a:r>
+              <a:rPr lang="en-US" altLang="zh-CN" sz="1000" dirty="0" smtClean="0">
+                <a:solidFill>
+                  <a:sysClr val="windowText" lastClr="000000"/>
+                </a:solidFill>
+                <a:latin typeface="华文仿宋" pitchFamily="2" charset="-122"/>
+                <a:ea typeface="华文仿宋" pitchFamily="2" charset="-122"/>
+              </a:rPr>
+              <a:t>Carver600TE_A12E</a:t>
+            </a:r>
+            <a:endParaRPr lang="zh-CN" altLang="en-US" sz="1000" dirty="0">
+              <a:solidFill>
+                <a:sysClr val="windowText" lastClr="000000"/>
+              </a:solidFill>
+              <a:latin typeface="华文仿宋" pitchFamily="2" charset="-122"/>
+              <a:ea typeface="华文仿宋" pitchFamily="2" charset="-122"/>
+            </a:endParaRPr>
+          </a:p>
+        </p:txBody>
+      </p:sp>
+      <p:grpSp>
+        <p:nvGrpSpPr>
+          <p:cNvPr id="35" name="组合 34"/>
+          <p:cNvGrpSpPr/>
+          <p:nvPr/>
+        </p:nvGrpSpPr>
+        <p:grpSpPr>
+          <a:xfrm>
+            <a:off x="12755682" y="3024535"/>
+            <a:ext cx="1782343" cy="1261139"/>
+            <a:chOff x="12610143" y="3168551"/>
+            <a:chExt cx="1782343" cy="1261139"/>
+          </a:xfrm>
+        </p:grpSpPr>
+        <p:sp>
+          <p:nvSpPr>
+            <p:cNvPr id="8" name="矩形 7"/>
+            <p:cNvSpPr/>
+            <p:nvPr/>
+          </p:nvSpPr>
+          <p:spPr>
+            <a:xfrm>
+              <a:off x="12610143" y="3168551"/>
+              <a:ext cx="943200" cy="648000"/>
+            </a:xfrm>
+            <a:prstGeom prst="rect">
+              <a:avLst/>
+            </a:prstGeom>
+            <a:solidFill>
+              <a:schemeClr val="bg1"/>
+            </a:solidFill>
+            <a:ln>
+              <a:solidFill>
+                <a:srgbClr val="C00000"/>
+              </a:solidFill>
+            </a:ln>
+          </p:spPr>
+          <p:style>
+            <a:lnRef idx="2">
+              <a:schemeClr val="accent1">
+                <a:shade val="50000"/>
+              </a:schemeClr>
+            </a:lnRef>
+            <a:fillRef idx="1">
+              <a:schemeClr val="accent1"/>
+            </a:fillRef>
+            <a:effectRef idx="0">
+              <a:schemeClr val="accent1"/>
+            </a:effectRef>
+            <a:fontRef idx="minor">
+              <a:schemeClr val="lt1"/>
+            </a:fontRef>
+          </p:style>
+          <p:txBody>
+            <a:bodyPr rtlCol="0" anchor="ctr"/>
+            <a:lstStyle/>
+            <a:p>
+              <a:pPr algn="ctr"/>
+              <a:r>
+                <a:rPr lang="en-US" altLang="zh-CN" sz="1000" dirty="0" smtClean="0">
+                  <a:solidFill>
+                    <a:sysClr val="windowText" lastClr="000000"/>
+                  </a:solidFill>
+                  <a:latin typeface="华文仿宋" pitchFamily="2" charset="-122"/>
+                  <a:ea typeface="华文仿宋" pitchFamily="2" charset="-122"/>
+                </a:rPr>
+                <a:t>Carver600TE_A12E</a:t>
+              </a:r>
+              <a:endParaRPr lang="zh-CN" altLang="en-US" sz="1000" dirty="0">
+                <a:solidFill>
+                  <a:sysClr val="windowText" lastClr="000000"/>
+                </a:solidFill>
+                <a:latin typeface="华文仿宋" pitchFamily="2" charset="-122"/>
+                <a:ea typeface="华文仿宋" pitchFamily="2" charset="-122"/>
+              </a:endParaRPr>
+            </a:p>
+          </p:txBody>
+        </p:sp>
+        <p:cxnSp>
+          <p:nvCxnSpPr>
+            <p:cNvPr id="24" name="直接连接符 23"/>
+            <p:cNvCxnSpPr/>
+            <p:nvPr/>
+          </p:nvCxnSpPr>
+          <p:spPr>
+            <a:xfrm>
+              <a:off x="13566229" y="3176587"/>
+              <a:ext cx="360000" cy="0"/>
+            </a:xfrm>
+            <a:prstGeom prst="line">
+              <a:avLst/>
+            </a:prstGeom>
+            <a:ln w="6350">
+              <a:solidFill>
+                <a:schemeClr val="tx1"/>
+              </a:solidFill>
+            </a:ln>
+          </p:spPr>
+          <p:style>
+            <a:lnRef idx="1">
+              <a:schemeClr val="accent1"/>
+            </a:lnRef>
+            <a:fillRef idx="0">
+              <a:schemeClr val="accent1"/>
+            </a:fillRef>
+            <a:effectRef idx="0">
+              <a:schemeClr val="accent1"/>
+            </a:effectRef>
+            <a:fontRef idx="minor">
+              <a:schemeClr val="tx1"/>
+            </a:fontRef>
+          </p:style>
+        </p:cxnSp>
+        <p:cxnSp>
+          <p:nvCxnSpPr>
+            <p:cNvPr id="25" name="直接连接符 24"/>
+            <p:cNvCxnSpPr/>
+            <p:nvPr/>
+          </p:nvCxnSpPr>
+          <p:spPr>
+            <a:xfrm>
+              <a:off x="13818261" y="3176587"/>
+              <a:ext cx="0" cy="639964"/>
+            </a:xfrm>
+            <a:prstGeom prst="line">
+              <a:avLst/>
+            </a:prstGeom>
+            <a:ln w="6350">
+              <a:solidFill>
+                <a:schemeClr val="tx1"/>
+              </a:solidFill>
+              <a:headEnd type="triangle" w="sm" len="lg"/>
+              <a:tailEnd type="triangle" w="sm" len="lg"/>
+            </a:ln>
+          </p:spPr>
+          <p:style>
+            <a:lnRef idx="1">
+              <a:schemeClr val="accent1"/>
+            </a:lnRef>
+            <a:fillRef idx="0">
+              <a:schemeClr val="accent1"/>
+            </a:fillRef>
+            <a:effectRef idx="0">
+              <a:schemeClr val="accent1"/>
+            </a:effectRef>
+            <a:fontRef idx="minor">
+              <a:schemeClr val="tx1"/>
+            </a:fontRef>
+          </p:style>
+        </p:cxnSp>
+        <p:sp>
+          <p:nvSpPr>
+            <p:cNvPr id="26" name="TextBox 25"/>
+            <p:cNvSpPr txBox="1"/>
+            <p:nvPr/>
+          </p:nvSpPr>
+          <p:spPr>
+            <a:xfrm>
+              <a:off x="13823099" y="3307199"/>
+              <a:ext cx="569387" cy="338554"/>
+            </a:xfrm>
+            <a:prstGeom prst="rect">
+              <a:avLst/>
+            </a:prstGeom>
+            <a:noFill/>
+          </p:spPr>
+          <p:txBody>
+            <a:bodyPr wrap="none" rtlCol="0">
+              <a:spAutoFit/>
+            </a:bodyPr>
+            <a:lstStyle/>
+            <a:p>
+              <a:r>
+                <a:rPr lang="en-US" altLang="zh-CN" sz="1600" dirty="0" smtClean="0">
+                  <a:latin typeface="华文仿宋" pitchFamily="2" charset="-122"/>
+                  <a:ea typeface="华文仿宋" pitchFamily="2" charset="-122"/>
+                </a:rPr>
+                <a:t>1800</a:t>
+              </a:r>
+              <a:endParaRPr lang="zh-CN" altLang="en-US" sz="1600" dirty="0">
+                <a:latin typeface="华文仿宋" pitchFamily="2" charset="-122"/>
+                <a:ea typeface="华文仿宋" pitchFamily="2" charset="-122"/>
+              </a:endParaRPr>
+            </a:p>
+          </p:txBody>
+        </p:sp>
+        <p:cxnSp>
+          <p:nvCxnSpPr>
+            <p:cNvPr id="27" name="直接连接符 26"/>
+            <p:cNvCxnSpPr/>
+            <p:nvPr/>
+          </p:nvCxnSpPr>
+          <p:spPr>
+            <a:xfrm>
+              <a:off x="13564666" y="3816551"/>
+              <a:ext cx="360000" cy="0"/>
+            </a:xfrm>
+            <a:prstGeom prst="line">
+              <a:avLst/>
+            </a:prstGeom>
+            <a:ln w="6350">
+              <a:solidFill>
+                <a:schemeClr val="tx1"/>
+              </a:solidFill>
+            </a:ln>
+          </p:spPr>
+          <p:style>
+            <a:lnRef idx="1">
+              <a:schemeClr val="accent1"/>
+            </a:lnRef>
+            <a:fillRef idx="0">
+              <a:schemeClr val="accent1"/>
+            </a:fillRef>
+            <a:effectRef idx="0">
+              <a:schemeClr val="accent1"/>
+            </a:effectRef>
+            <a:fontRef idx="minor">
+              <a:schemeClr val="tx1"/>
+            </a:fontRef>
+          </p:style>
+        </p:cxnSp>
+        <p:cxnSp>
+          <p:nvCxnSpPr>
+            <p:cNvPr id="29" name="直接连接符 28"/>
+            <p:cNvCxnSpPr/>
+            <p:nvPr/>
+          </p:nvCxnSpPr>
+          <p:spPr>
+            <a:xfrm>
+              <a:off x="12610143" y="4091136"/>
+              <a:ext cx="943200" cy="0"/>
+            </a:xfrm>
+            <a:prstGeom prst="line">
+              <a:avLst/>
+            </a:prstGeom>
+            <a:ln w="6350">
+              <a:solidFill>
+                <a:schemeClr val="tx1"/>
+              </a:solidFill>
+              <a:headEnd type="triangle" w="sm" len="lg"/>
+              <a:tailEnd type="triangle" w="sm" len="lg"/>
+            </a:ln>
+          </p:spPr>
+          <p:style>
+            <a:lnRef idx="1">
+              <a:schemeClr val="accent1"/>
+            </a:lnRef>
+            <a:fillRef idx="0">
+              <a:schemeClr val="accent1"/>
+            </a:fillRef>
+            <a:effectRef idx="0">
+              <a:schemeClr val="accent1"/>
+            </a:effectRef>
+            <a:fontRef idx="minor">
+              <a:schemeClr val="tx1"/>
+            </a:fontRef>
+          </p:style>
+        </p:cxnSp>
+        <p:cxnSp>
+          <p:nvCxnSpPr>
+            <p:cNvPr id="30" name="直接连接符 29"/>
+            <p:cNvCxnSpPr/>
+            <p:nvPr/>
+          </p:nvCxnSpPr>
+          <p:spPr>
+            <a:xfrm>
+              <a:off x="12610143" y="3829251"/>
+              <a:ext cx="0" cy="360000"/>
+            </a:xfrm>
+            <a:prstGeom prst="line">
+              <a:avLst/>
+            </a:prstGeom>
+            <a:ln w="6350">
+              <a:solidFill>
+                <a:schemeClr val="tx1"/>
+              </a:solidFill>
+            </a:ln>
+          </p:spPr>
+          <p:style>
+            <a:lnRef idx="1">
+              <a:schemeClr val="accent1"/>
+            </a:lnRef>
+            <a:fillRef idx="0">
+              <a:schemeClr val="accent1"/>
+            </a:fillRef>
+            <a:effectRef idx="0">
+              <a:schemeClr val="accent1"/>
+            </a:effectRef>
+            <a:fontRef idx="minor">
+              <a:schemeClr val="tx1"/>
+            </a:fontRef>
+          </p:style>
+        </p:cxnSp>
+        <p:sp>
+          <p:nvSpPr>
+            <p:cNvPr id="31" name="TextBox 30"/>
+            <p:cNvSpPr txBox="1"/>
+            <p:nvPr/>
+          </p:nvSpPr>
+          <p:spPr>
+            <a:xfrm>
+              <a:off x="12797050" y="4091136"/>
+              <a:ext cx="569388" cy="338554"/>
+            </a:xfrm>
+            <a:prstGeom prst="rect">
+              <a:avLst/>
+            </a:prstGeom>
+            <a:noFill/>
+          </p:spPr>
+          <p:txBody>
+            <a:bodyPr wrap="none" rtlCol="0">
+              <a:spAutoFit/>
+            </a:bodyPr>
+            <a:lstStyle/>
+            <a:p>
+              <a:pPr algn="ctr"/>
+              <a:r>
+                <a:rPr lang="en-US" altLang="zh-CN" sz="1600" dirty="0" smtClean="0">
+                  <a:latin typeface="华文仿宋" pitchFamily="2" charset="-122"/>
+                  <a:ea typeface="华文仿宋" pitchFamily="2" charset="-122"/>
+                </a:rPr>
+                <a:t>2615</a:t>
+              </a:r>
+              <a:endParaRPr lang="zh-CN" altLang="en-US" sz="1600" dirty="0">
+                <a:latin typeface="华文仿宋" pitchFamily="2" charset="-122"/>
+                <a:ea typeface="华文仿宋" pitchFamily="2" charset="-122"/>
+              </a:endParaRPr>
+            </a:p>
+          </p:txBody>
+        </p:sp>
+        <p:cxnSp>
+          <p:nvCxnSpPr>
+            <p:cNvPr id="32" name="直接连接符 31"/>
+            <p:cNvCxnSpPr/>
+            <p:nvPr/>
+          </p:nvCxnSpPr>
+          <p:spPr>
+            <a:xfrm>
+              <a:off x="13555384" y="3829251"/>
+              <a:ext cx="0" cy="360000"/>
+            </a:xfrm>
+            <a:prstGeom prst="line">
+              <a:avLst/>
+            </a:prstGeom>
+            <a:ln w="6350">
+              <a:solidFill>
+                <a:schemeClr val="tx1"/>
+              </a:solidFill>
+            </a:ln>
+          </p:spPr>
+          <p:style>
+            <a:lnRef idx="1">
+              <a:schemeClr val="accent1"/>
+            </a:lnRef>
+            <a:fillRef idx="0">
+              <a:schemeClr val="accent1"/>
+            </a:fillRef>
+            <a:effectRef idx="0">
+              <a:schemeClr val="accent1"/>
+            </a:effectRef>
+            <a:fontRef idx="minor">
+              <a:schemeClr val="tx1"/>
+            </a:fontRef>
+          </p:style>
+        </p:cxnSp>
+      </p:grpSp>
+      <p:sp>
+        <p:nvSpPr>
+          <p:cNvPr id="33" name="椭圆 32"/>
+          <p:cNvSpPr/>
+          <p:nvPr/>
+        </p:nvSpPr>
+        <p:spPr>
+          <a:xfrm>
+            <a:off x="4631002" y="5400799"/>
+            <a:ext cx="72000" cy="72000"/>
+          </a:xfrm>
+          <a:prstGeom prst="ellipse">
+            <a:avLst/>
+          </a:prstGeom>
+          <a:solidFill>
+            <a:schemeClr val="bg1"/>
+          </a:solidFill>
+          <a:ln w="6350">
+            <a:solidFill>
+              <a:schemeClr val="tx1"/>
+            </a:solidFill>
+          </a:ln>
+        </p:spPr>
+        <p:style>
+          <a:lnRef idx="2">
+            <a:schemeClr val="accent1">
+              <a:shade val="50000"/>
+            </a:schemeClr>
+          </a:lnRef>
+          <a:fillRef idx="1">
+            <a:schemeClr val="accent1"/>
+          </a:fillRef>
+          <a:effectRef idx="0">
+            <a:schemeClr val="accent1"/>
+          </a:effectRef>
+          <a:fontRef idx="minor">
+            <a:schemeClr val="lt1"/>
+          </a:fontRef>
+        </p:style>
+        <p:txBody>
+          <a:bodyPr rtlCol="0" anchor="ctr"/>
+          <a:lstStyle/>
+          <a:p>
+            <a:pPr algn="ctr"/>
+            <a:endParaRPr lang="zh-CN" altLang="en-US"/>
+          </a:p>
+        </p:txBody>
+      </p:sp>
+      <p:sp>
+        <p:nvSpPr>
+          <p:cNvPr id="36" name="TextBox 35"/>
+          <p:cNvSpPr txBox="1"/>
+          <p:nvPr/>
+        </p:nvSpPr>
+        <p:spPr>
+          <a:xfrm>
+            <a:off x="4703002" y="5267522"/>
+            <a:ext cx="3663182" cy="338554"/>
+          </a:xfrm>
+          <a:prstGeom prst="rect">
+            <a:avLst/>
+          </a:prstGeom>
+          <a:noFill/>
+        </p:spPr>
+        <p:txBody>
+          <a:bodyPr wrap="none" rtlCol="0">
+            <a:spAutoFit/>
+          </a:bodyPr>
+          <a:lstStyle/>
+          <a:p>
+            <a:r>
+              <a:rPr lang="zh-CN" altLang="en-US" sz="1600" dirty="0" smtClean="0">
+                <a:latin typeface="华文仿宋" pitchFamily="2" charset="-122"/>
+                <a:ea typeface="华文仿宋" pitchFamily="2" charset="-122"/>
+              </a:rPr>
+              <a:t>现有强电管口，标注位置精确到</a:t>
+            </a:r>
+            <a:r>
+              <a:rPr lang="en-US" altLang="zh-CN" sz="1600" dirty="0" smtClean="0">
+                <a:latin typeface="华文仿宋" pitchFamily="2" charset="-122"/>
+                <a:ea typeface="华文仿宋" pitchFamily="2" charset="-122"/>
+              </a:rPr>
+              <a:t>100mm</a:t>
+            </a:r>
+            <a:endParaRPr lang="zh-CN" altLang="en-US" sz="1600" dirty="0">
+              <a:latin typeface="华文仿宋" pitchFamily="2" charset="-122"/>
+              <a:ea typeface="华文仿宋" pitchFamily="2" charset="-122"/>
+            </a:endParaRPr>
+          </a:p>
+        </p:txBody>
+      </p:sp>
+      <p:cxnSp>
+        <p:nvCxnSpPr>
+          <p:cNvPr id="10" name="直接连接符 9"/>
+          <p:cNvCxnSpPr>
+            <a:endCxn id="33" idx="7"/>
+          </p:cNvCxnSpPr>
+          <p:nvPr/>
+        </p:nvCxnSpPr>
+        <p:spPr>
+          <a:xfrm flipH="1">
+            <a:off x="4692458" y="3414713"/>
+            <a:ext cx="1217805" cy="1996630"/>
+          </a:xfrm>
+          <a:prstGeom prst="line">
+            <a:avLst/>
+          </a:prstGeom>
+          <a:ln w="6350">
+            <a:solidFill>
+              <a:schemeClr val="tx1"/>
+            </a:solidFill>
+          </a:ln>
+        </p:spPr>
+        <p:style>
+          <a:lnRef idx="1">
+            <a:schemeClr val="accent1"/>
+          </a:lnRef>
+          <a:fillRef idx="0">
+            <a:schemeClr val="accent1"/>
+          </a:fillRef>
+          <a:effectRef idx="0">
+            <a:schemeClr val="accent1"/>
+          </a:effectRef>
+          <a:fontRef idx="minor">
+            <a:schemeClr val="tx1"/>
+          </a:fontRef>
+        </p:style>
+      </p:cxnSp>
+      <p:sp>
+        <p:nvSpPr>
+          <p:cNvPr id="40" name="矩形 39"/>
+          <p:cNvSpPr/>
+          <p:nvPr/>
+        </p:nvSpPr>
+        <p:spPr>
+          <a:xfrm>
+            <a:off x="2448694" y="2189492"/>
+            <a:ext cx="162000" cy="129600"/>
+          </a:xfrm>
+          <a:prstGeom prst="rect">
+            <a:avLst/>
+          </a:prstGeom>
+          <a:solidFill>
+            <a:srgbClr val="92D050"/>
+          </a:solidFill>
+        </p:spPr>
+        <p:style>
+          <a:lnRef idx="2">
+            <a:schemeClr val="accent1">
+              <a:shade val="50000"/>
+            </a:schemeClr>
+          </a:lnRef>
+          <a:fillRef idx="1">
+            <a:schemeClr val="accent1"/>
+          </a:fillRef>
+          <a:effectRef idx="0">
+            <a:schemeClr val="accent1"/>
+          </a:effectRef>
+          <a:fontRef idx="minor">
+            <a:schemeClr val="lt1"/>
+          </a:fontRef>
+        </p:style>
+        <p:txBody>
+          <a:bodyPr rtlCol="0" anchor="ctr"/>
+          <a:lstStyle/>
+          <a:p>
+            <a:pPr algn="ctr"/>
+            <a:endParaRPr lang="zh-CN" altLang="en-US"/>
+          </a:p>
+        </p:txBody>
+      </p:sp>
+      <p:grpSp>
+        <p:nvGrpSpPr>
+          <p:cNvPr id="41" name="组合 40"/>
+          <p:cNvGrpSpPr/>
+          <p:nvPr/>
+        </p:nvGrpSpPr>
+        <p:grpSpPr>
+          <a:xfrm>
+            <a:off x="12754305" y="4360937"/>
+            <a:ext cx="1599216" cy="1261139"/>
+            <a:chOff x="12610143" y="3168551"/>
+            <a:chExt cx="1599216" cy="1261139"/>
+          </a:xfrm>
+        </p:grpSpPr>
+        <p:cxnSp>
+          <p:nvCxnSpPr>
+            <p:cNvPr id="43" name="直接连接符 42"/>
+            <p:cNvCxnSpPr/>
+            <p:nvPr/>
+          </p:nvCxnSpPr>
+          <p:spPr>
+            <a:xfrm>
+              <a:off x="13383102" y="3169444"/>
+              <a:ext cx="360000" cy="0"/>
+            </a:xfrm>
+            <a:prstGeom prst="line">
+              <a:avLst/>
+            </a:prstGeom>
+            <a:ln w="6350">
+              <a:solidFill>
+                <a:schemeClr val="tx1"/>
+              </a:solidFill>
+            </a:ln>
+          </p:spPr>
+          <p:style>
+            <a:lnRef idx="1">
+              <a:schemeClr val="accent1"/>
+            </a:lnRef>
+            <a:fillRef idx="0">
+              <a:schemeClr val="accent1"/>
+            </a:fillRef>
+            <a:effectRef idx="0">
+              <a:schemeClr val="accent1"/>
+            </a:effectRef>
+            <a:fontRef idx="minor">
+              <a:schemeClr val="tx1"/>
+            </a:fontRef>
+          </p:style>
+        </p:cxnSp>
+        <p:cxnSp>
+          <p:nvCxnSpPr>
+            <p:cNvPr id="44" name="直接连接符 43"/>
+            <p:cNvCxnSpPr/>
+            <p:nvPr/>
+          </p:nvCxnSpPr>
+          <p:spPr>
+            <a:xfrm>
+              <a:off x="13635134" y="3169444"/>
+              <a:ext cx="0" cy="676800"/>
+            </a:xfrm>
+            <a:prstGeom prst="line">
+              <a:avLst/>
+            </a:prstGeom>
+            <a:ln w="6350">
+              <a:solidFill>
+                <a:schemeClr val="tx1"/>
+              </a:solidFill>
+              <a:headEnd type="triangle" w="sm" len="lg"/>
+              <a:tailEnd type="triangle" w="sm" len="lg"/>
+            </a:ln>
+          </p:spPr>
+          <p:style>
+            <a:lnRef idx="1">
+              <a:schemeClr val="accent1"/>
+            </a:lnRef>
+            <a:fillRef idx="0">
+              <a:schemeClr val="accent1"/>
+            </a:fillRef>
+            <a:effectRef idx="0">
+              <a:schemeClr val="accent1"/>
+            </a:effectRef>
+            <a:fontRef idx="minor">
+              <a:schemeClr val="tx1"/>
+            </a:fontRef>
+          </p:style>
+        </p:cxnSp>
+        <p:sp>
+          <p:nvSpPr>
+            <p:cNvPr id="45" name="TextBox 44"/>
+            <p:cNvSpPr txBox="1"/>
+            <p:nvPr/>
+          </p:nvSpPr>
+          <p:spPr>
+            <a:xfrm>
+              <a:off x="13639972" y="3300056"/>
+              <a:ext cx="569387" cy="338554"/>
+            </a:xfrm>
+            <a:prstGeom prst="rect">
+              <a:avLst/>
+            </a:prstGeom>
+            <a:noFill/>
+          </p:spPr>
+          <p:txBody>
+            <a:bodyPr wrap="none" rtlCol="0">
+              <a:spAutoFit/>
+            </a:bodyPr>
+            <a:lstStyle/>
+            <a:p>
+              <a:r>
+                <a:rPr lang="en-US" altLang="zh-CN" sz="1600" dirty="0" smtClean="0">
+                  <a:latin typeface="华文仿宋" pitchFamily="2" charset="-122"/>
+                  <a:ea typeface="华文仿宋" pitchFamily="2" charset="-122"/>
+                </a:rPr>
+                <a:t>1880</a:t>
+              </a:r>
+              <a:endParaRPr lang="zh-CN" altLang="en-US" sz="1600" dirty="0">
+                <a:latin typeface="华文仿宋" pitchFamily="2" charset="-122"/>
+                <a:ea typeface="华文仿宋" pitchFamily="2" charset="-122"/>
+              </a:endParaRPr>
+            </a:p>
+          </p:txBody>
+        </p:sp>
+        <p:cxnSp>
+          <p:nvCxnSpPr>
+            <p:cNvPr id="46" name="直接连接符 45"/>
+            <p:cNvCxnSpPr/>
+            <p:nvPr/>
+          </p:nvCxnSpPr>
+          <p:spPr>
+            <a:xfrm>
+              <a:off x="13381539" y="3846244"/>
+              <a:ext cx="360000" cy="0"/>
+            </a:xfrm>
+            <a:prstGeom prst="line">
+              <a:avLst/>
+            </a:prstGeom>
+            <a:ln w="6350">
+              <a:solidFill>
+                <a:schemeClr val="tx1"/>
+              </a:solidFill>
+            </a:ln>
+          </p:spPr>
+          <p:style>
+            <a:lnRef idx="1">
+              <a:schemeClr val="accent1"/>
+            </a:lnRef>
+            <a:fillRef idx="0">
+              <a:schemeClr val="accent1"/>
+            </a:fillRef>
+            <a:effectRef idx="0">
+              <a:schemeClr val="accent1"/>
+            </a:effectRef>
+            <a:fontRef idx="minor">
+              <a:schemeClr val="tx1"/>
+            </a:fontRef>
+          </p:style>
+        </p:cxnSp>
+        <p:cxnSp>
+          <p:nvCxnSpPr>
+            <p:cNvPr id="47" name="直接连接符 46"/>
+            <p:cNvCxnSpPr/>
+            <p:nvPr/>
+          </p:nvCxnSpPr>
+          <p:spPr>
+            <a:xfrm>
+              <a:off x="12610143" y="4091136"/>
+              <a:ext cx="766800" cy="0"/>
+            </a:xfrm>
+            <a:prstGeom prst="line">
+              <a:avLst/>
+            </a:prstGeom>
+            <a:ln w="6350">
+              <a:solidFill>
+                <a:schemeClr val="tx1"/>
+              </a:solidFill>
+              <a:headEnd type="triangle" w="sm" len="lg"/>
+              <a:tailEnd type="triangle" w="sm" len="lg"/>
+            </a:ln>
+          </p:spPr>
+          <p:style>
+            <a:lnRef idx="1">
+              <a:schemeClr val="accent1"/>
+            </a:lnRef>
+            <a:fillRef idx="0">
+              <a:schemeClr val="accent1"/>
+            </a:fillRef>
+            <a:effectRef idx="0">
+              <a:schemeClr val="accent1"/>
+            </a:effectRef>
+            <a:fontRef idx="minor">
+              <a:schemeClr val="tx1"/>
+            </a:fontRef>
+          </p:style>
+        </p:cxnSp>
+        <p:cxnSp>
+          <p:nvCxnSpPr>
+            <p:cNvPr id="48" name="直接连接符 47"/>
+            <p:cNvCxnSpPr/>
+            <p:nvPr/>
+          </p:nvCxnSpPr>
+          <p:spPr>
+            <a:xfrm>
+              <a:off x="12610143" y="3829251"/>
+              <a:ext cx="0" cy="360000"/>
+            </a:xfrm>
+            <a:prstGeom prst="line">
+              <a:avLst/>
+            </a:prstGeom>
+            <a:ln w="6350">
+              <a:solidFill>
+                <a:schemeClr val="tx1"/>
+              </a:solidFill>
+            </a:ln>
+          </p:spPr>
+          <p:style>
+            <a:lnRef idx="1">
+              <a:schemeClr val="accent1"/>
+            </a:lnRef>
+            <a:fillRef idx="0">
+              <a:schemeClr val="accent1"/>
+            </a:fillRef>
+            <a:effectRef idx="0">
+              <a:schemeClr val="accent1"/>
+            </a:effectRef>
+            <a:fontRef idx="minor">
+              <a:schemeClr val="tx1"/>
+            </a:fontRef>
+          </p:style>
+        </p:cxnSp>
+        <p:sp>
+          <p:nvSpPr>
+            <p:cNvPr id="49" name="TextBox 48"/>
+            <p:cNvSpPr txBox="1"/>
+            <p:nvPr/>
+          </p:nvSpPr>
+          <p:spPr>
+            <a:xfrm>
+              <a:off x="12708849" y="4091136"/>
+              <a:ext cx="569388" cy="338554"/>
+            </a:xfrm>
+            <a:prstGeom prst="rect">
+              <a:avLst/>
+            </a:prstGeom>
+            <a:noFill/>
+          </p:spPr>
+          <p:txBody>
+            <a:bodyPr wrap="none" rtlCol="0">
+              <a:spAutoFit/>
+            </a:bodyPr>
+            <a:lstStyle/>
+            <a:p>
+              <a:pPr algn="ctr"/>
+              <a:r>
+                <a:rPr lang="en-US" altLang="zh-CN" sz="1600" dirty="0" smtClean="0">
+                  <a:latin typeface="华文仿宋" pitchFamily="2" charset="-122"/>
+                  <a:ea typeface="华文仿宋" pitchFamily="2" charset="-122"/>
+                </a:rPr>
+                <a:t>2130</a:t>
+              </a:r>
+              <a:endParaRPr lang="zh-CN" altLang="en-US" sz="1600" dirty="0">
+                <a:latin typeface="华文仿宋" pitchFamily="2" charset="-122"/>
+                <a:ea typeface="华文仿宋" pitchFamily="2" charset="-122"/>
+              </a:endParaRPr>
+            </a:p>
+          </p:txBody>
+        </p:sp>
+        <p:cxnSp>
+          <p:nvCxnSpPr>
+            <p:cNvPr id="50" name="直接连接符 49"/>
+            <p:cNvCxnSpPr/>
+            <p:nvPr/>
+          </p:nvCxnSpPr>
+          <p:spPr>
+            <a:xfrm>
+              <a:off x="13379935" y="3829251"/>
+              <a:ext cx="0" cy="360000"/>
+            </a:xfrm>
+            <a:prstGeom prst="line">
+              <a:avLst/>
+            </a:prstGeom>
+            <a:ln w="6350">
+              <a:solidFill>
+                <a:schemeClr val="tx1"/>
+              </a:solidFill>
+            </a:ln>
+          </p:spPr>
+          <p:style>
+            <a:lnRef idx="1">
+              <a:schemeClr val="accent1"/>
+            </a:lnRef>
+            <a:fillRef idx="0">
+              <a:schemeClr val="accent1"/>
+            </a:fillRef>
+            <a:effectRef idx="0">
+              <a:schemeClr val="accent1"/>
+            </a:effectRef>
+            <a:fontRef idx="minor">
+              <a:schemeClr val="tx1"/>
+            </a:fontRef>
+          </p:style>
+        </p:cxnSp>
+        <p:sp>
+          <p:nvSpPr>
+            <p:cNvPr id="42" name="矩形 41"/>
+            <p:cNvSpPr/>
+            <p:nvPr/>
+          </p:nvSpPr>
+          <p:spPr>
+            <a:xfrm>
+              <a:off x="12610143" y="3168551"/>
+              <a:ext cx="766800" cy="676800"/>
+            </a:xfrm>
+            <a:prstGeom prst="rect">
+              <a:avLst/>
+            </a:prstGeom>
+            <a:solidFill>
+              <a:schemeClr val="bg1"/>
+            </a:solidFill>
+            <a:ln>
+              <a:solidFill>
+                <a:srgbClr val="C00000"/>
+              </a:solidFill>
+            </a:ln>
+          </p:spPr>
+          <p:style>
+            <a:lnRef idx="2">
+              <a:schemeClr val="accent1">
+                <a:shade val="50000"/>
+              </a:schemeClr>
+            </a:lnRef>
+            <a:fillRef idx="1">
+              <a:schemeClr val="accent1"/>
+            </a:fillRef>
+            <a:effectRef idx="0">
+              <a:schemeClr val="accent1"/>
+            </a:effectRef>
+            <a:fontRef idx="minor">
+              <a:schemeClr val="lt1"/>
+            </a:fontRef>
+          </p:style>
+          <p:txBody>
+            <a:bodyPr lIns="72000" rIns="72000" rtlCol="0" anchor="ctr"/>
+            <a:lstStyle/>
+            <a:p>
+              <a:pPr algn="ctr"/>
+              <a:r>
+                <a:rPr lang="en-US" altLang="zh-CN" sz="1000" dirty="0" smtClean="0">
+                  <a:solidFill>
+                    <a:sysClr val="windowText" lastClr="000000"/>
+                  </a:solidFill>
+                  <a:latin typeface="华文仿宋" pitchFamily="2" charset="-122"/>
+                  <a:ea typeface="华文仿宋" pitchFamily="2" charset="-122"/>
+                </a:rPr>
+                <a:t>SmartCNC500_DRTD</a:t>
+              </a:r>
+              <a:endParaRPr lang="zh-CN" altLang="en-US" sz="1000" dirty="0">
+                <a:solidFill>
+                  <a:sysClr val="windowText" lastClr="000000"/>
+                </a:solidFill>
+                <a:latin typeface="华文仿宋" pitchFamily="2" charset="-122"/>
+                <a:ea typeface="华文仿宋" pitchFamily="2" charset="-122"/>
+              </a:endParaRPr>
+            </a:p>
+          </p:txBody>
+        </p:sp>
+      </p:grpSp>
+      <p:sp>
+        <p:nvSpPr>
+          <p:cNvPr id="51" name="矩形 50"/>
+          <p:cNvSpPr/>
+          <p:nvPr/>
+        </p:nvSpPr>
+        <p:spPr>
+          <a:xfrm>
+            <a:off x="10778138" y="2445299"/>
+            <a:ext cx="766800" cy="676800"/>
+          </a:xfrm>
+          <a:prstGeom prst="rect">
+            <a:avLst/>
+          </a:prstGeom>
+          <a:solidFill>
+            <a:schemeClr val="bg1"/>
+          </a:solidFill>
+          <a:ln>
+            <a:solidFill>
+              <a:srgbClr val="C00000"/>
+            </a:solidFill>
+          </a:ln>
+        </p:spPr>
+        <p:style>
+          <a:lnRef idx="2">
+            <a:schemeClr val="accent1">
+              <a:shade val="50000"/>
+            </a:schemeClr>
+          </a:lnRef>
+          <a:fillRef idx="1">
+            <a:schemeClr val="accent1"/>
+          </a:fillRef>
+          <a:effectRef idx="0">
+            <a:schemeClr val="accent1"/>
+          </a:effectRef>
+          <a:fontRef idx="minor">
+            <a:schemeClr val="lt1"/>
+          </a:fontRef>
+        </p:style>
+        <p:txBody>
+          <a:bodyPr lIns="72000" rIns="72000" rtlCol="0" anchor="ctr"/>
+          <a:lstStyle/>
+          <a:p>
+            <a:pPr algn="ctr"/>
+            <a:r>
+              <a:rPr lang="en-US" altLang="zh-CN" sz="1000" dirty="0" smtClean="0">
+                <a:solidFill>
+                  <a:sysClr val="windowText" lastClr="000000"/>
+                </a:solidFill>
+                <a:latin typeface="华文仿宋" pitchFamily="2" charset="-122"/>
+                <a:ea typeface="华文仿宋" pitchFamily="2" charset="-122"/>
+              </a:rPr>
+              <a:t>SmartCNC500_DRTD</a:t>
+            </a:r>
+            <a:endParaRPr lang="zh-CN" altLang="en-US" sz="1000" dirty="0">
+              <a:solidFill>
+                <a:sysClr val="windowText" lastClr="000000"/>
+              </a:solidFill>
+              <a:latin typeface="华文仿宋" pitchFamily="2" charset="-122"/>
+              <a:ea typeface="华文仿宋" pitchFamily="2" charset="-122"/>
+            </a:endParaRPr>
+          </a:p>
+        </p:txBody>
+      </p:sp>
+      <p:sp>
+        <p:nvSpPr>
+          <p:cNvPr id="52" name="TextBox 51"/>
+          <p:cNvSpPr txBox="1"/>
+          <p:nvPr/>
+        </p:nvSpPr>
+        <p:spPr>
+          <a:xfrm>
+            <a:off x="3582820" y="381725"/>
+            <a:ext cx="2491388" cy="338554"/>
+          </a:xfrm>
+          <a:prstGeom prst="rect">
+            <a:avLst/>
+          </a:prstGeom>
+          <a:noFill/>
+        </p:spPr>
+        <p:txBody>
+          <a:bodyPr wrap="none" rtlCol="0">
+            <a:spAutoFit/>
+          </a:bodyPr>
+          <a:lstStyle/>
+          <a:p>
+            <a:r>
+              <a:rPr lang="zh-CN" altLang="en-US" sz="1600" dirty="0">
+                <a:latin typeface="华文仿宋" pitchFamily="2" charset="-122"/>
+                <a:ea typeface="华文仿宋" pitchFamily="2" charset="-122"/>
+              </a:rPr>
+              <a:t>工具</a:t>
+            </a:r>
+            <a:r>
+              <a:rPr lang="zh-CN" altLang="en-US" sz="1600" dirty="0" smtClean="0">
+                <a:latin typeface="华文仿宋" pitchFamily="2" charset="-122"/>
+                <a:ea typeface="华文仿宋" pitchFamily="2" charset="-122"/>
+              </a:rPr>
+              <a:t>柜，参考尺寸</a:t>
+            </a:r>
+            <a:r>
+              <a:rPr lang="en-US" altLang="zh-CN" sz="1600" dirty="0" smtClean="0">
+                <a:latin typeface="华文仿宋" pitchFamily="2" charset="-122"/>
+                <a:ea typeface="华文仿宋" pitchFamily="2" charset="-122"/>
+              </a:rPr>
+              <a:t>360*450</a:t>
+            </a:r>
+            <a:endParaRPr lang="zh-CN" altLang="en-US" sz="1600" dirty="0">
+              <a:latin typeface="华文仿宋" pitchFamily="2" charset="-122"/>
+              <a:ea typeface="华文仿宋" pitchFamily="2" charset="-122"/>
+            </a:endParaRPr>
+          </a:p>
+        </p:txBody>
+      </p:sp>
+      <p:cxnSp>
+        <p:nvCxnSpPr>
+          <p:cNvPr id="53" name="直接连接符 52"/>
+          <p:cNvCxnSpPr/>
+          <p:nvPr/>
+        </p:nvCxnSpPr>
+        <p:spPr>
+          <a:xfrm flipH="1">
+            <a:off x="2553957" y="720279"/>
+            <a:ext cx="1030325" cy="1484040"/>
+          </a:xfrm>
+          <a:prstGeom prst="line">
+            <a:avLst/>
+          </a:prstGeom>
+          <a:ln w="6350">
+            <a:solidFill>
+              <a:schemeClr val="tx1"/>
+            </a:solidFill>
+          </a:ln>
+        </p:spPr>
+        <p:style>
+          <a:lnRef idx="1">
+            <a:schemeClr val="accent1"/>
+          </a:lnRef>
+          <a:fillRef idx="0">
+            <a:schemeClr val="accent1"/>
+          </a:fillRef>
+          <a:effectRef idx="0">
+            <a:schemeClr val="accent1"/>
+          </a:effectRef>
+          <a:fontRef idx="minor">
+            <a:schemeClr val="tx1"/>
+          </a:fontRef>
+        </p:style>
+      </p:cxnSp>
+      <p:sp>
+        <p:nvSpPr>
+          <p:cNvPr id="54" name="TextBox 53"/>
+          <p:cNvSpPr txBox="1"/>
+          <p:nvPr/>
+        </p:nvSpPr>
+        <p:spPr>
+          <a:xfrm>
+            <a:off x="6251642" y="150892"/>
+            <a:ext cx="4394152" cy="461665"/>
+          </a:xfrm>
+          <a:prstGeom prst="rect">
+            <a:avLst/>
+          </a:prstGeom>
+          <a:noFill/>
+        </p:spPr>
+        <p:txBody>
+          <a:bodyPr wrap="none" rtlCol="0">
+            <a:spAutoFit/>
+          </a:bodyPr>
+          <a:lstStyle/>
+          <a:p>
+            <a:r>
+              <a:rPr lang="zh-CN" altLang="en-US" sz="2400" dirty="0" smtClean="0">
+                <a:latin typeface="华文仿宋" pitchFamily="2" charset="-122"/>
+                <a:ea typeface="华文仿宋" pitchFamily="2" charset="-122"/>
+              </a:rPr>
+              <a:t>精雕实验室现场设备布局方案</a:t>
+            </a:r>
+            <a:r>
+              <a:rPr lang="en-US" altLang="zh-CN" sz="2400" dirty="0">
+                <a:latin typeface="华文仿宋" pitchFamily="2" charset="-122"/>
+                <a:ea typeface="华文仿宋" pitchFamily="2" charset="-122"/>
+              </a:rPr>
+              <a:t>A</a:t>
+            </a:r>
+            <a:endParaRPr lang="zh-CN" altLang="en-US" sz="2400" dirty="0">
+              <a:latin typeface="华文仿宋" pitchFamily="2" charset="-122"/>
+              <a:ea typeface="华文仿宋" pitchFamily="2" charset="-122"/>
+            </a:endParaRPr>
+          </a:p>
+        </p:txBody>
+      </p:sp>
+      <p:grpSp>
+        <p:nvGrpSpPr>
+          <p:cNvPr id="22" name="Group 21"/>
+          <p:cNvGrpSpPr/>
+          <p:nvPr/>
+        </p:nvGrpSpPr>
+        <p:grpSpPr>
+          <a:xfrm>
+            <a:off x="9148562" y="4004299"/>
+            <a:ext cx="1858542" cy="1377338"/>
+            <a:chOff x="7548715" y="4004299"/>
+            <a:chExt cx="1858542" cy="1377338"/>
+          </a:xfrm>
+        </p:grpSpPr>
+        <p:sp>
+          <p:nvSpPr>
+            <p:cNvPr id="55" name="矩形 39"/>
+            <p:cNvSpPr/>
+            <p:nvPr/>
+          </p:nvSpPr>
+          <p:spPr>
+            <a:xfrm>
+              <a:off x="7548715" y="4004299"/>
+              <a:ext cx="504056" cy="209014"/>
+            </a:xfrm>
+            <a:prstGeom prst="rect">
+              <a:avLst/>
+            </a:prstGeom>
+            <a:solidFill>
+              <a:srgbClr val="92D050"/>
+            </a:solidFill>
+          </p:spPr>
+          <p:style>
+            <a:lnRef idx="2">
+              <a:schemeClr val="accent1">
+                <a:shade val="50000"/>
+              </a:schemeClr>
+            </a:lnRef>
+            <a:fillRef idx="1">
+              <a:schemeClr val="accent1"/>
+            </a:fillRef>
+            <a:effectRef idx="0">
+              <a:schemeClr val="accent1"/>
+            </a:effectRef>
+            <a:fontRef idx="minor">
+              <a:schemeClr val="lt1"/>
+            </a:fontRef>
+          </p:style>
+          <p:txBody>
+            <a:bodyPr rtlCol="0" anchor="ctr"/>
+            <a:lstStyle/>
+            <a:p>
+              <a:pPr algn="ctr"/>
+              <a:endParaRPr lang="zh-CN" altLang="en-US"/>
+            </a:p>
+          </p:txBody>
+        </p:sp>
+        <p:sp>
+          <p:nvSpPr>
+            <p:cNvPr id="56" name="TextBox 55"/>
+            <p:cNvSpPr txBox="1"/>
+            <p:nvPr/>
+          </p:nvSpPr>
+          <p:spPr>
+            <a:xfrm>
+              <a:off x="8607038" y="5043083"/>
+              <a:ext cx="800219" cy="338554"/>
+            </a:xfrm>
+            <a:prstGeom prst="rect">
+              <a:avLst/>
+            </a:prstGeom>
+            <a:noFill/>
+          </p:spPr>
+          <p:txBody>
+            <a:bodyPr wrap="none" rtlCol="0">
+              <a:spAutoFit/>
+            </a:bodyPr>
+            <a:lstStyle/>
+            <a:p>
+              <a:r>
+                <a:rPr lang="zh-CN" altLang="en-US" sz="1600" dirty="0" smtClean="0">
+                  <a:latin typeface="华文仿宋" pitchFamily="2" charset="-122"/>
+                  <a:ea typeface="华文仿宋" pitchFamily="2" charset="-122"/>
+                </a:rPr>
+                <a:t>电脑桌</a:t>
+              </a:r>
+              <a:endParaRPr lang="en-US" altLang="zh-CN" sz="1600" dirty="0" smtClean="0">
+                <a:latin typeface="华文仿宋" pitchFamily="2" charset="-122"/>
+                <a:ea typeface="华文仿宋" pitchFamily="2" charset="-122"/>
+              </a:endParaRPr>
+            </a:p>
+          </p:txBody>
+        </p:sp>
+        <p:cxnSp>
+          <p:nvCxnSpPr>
+            <p:cNvPr id="57" name="直接连接符 52"/>
+            <p:cNvCxnSpPr/>
+            <p:nvPr/>
+          </p:nvCxnSpPr>
+          <p:spPr>
+            <a:xfrm flipH="1" flipV="1">
+              <a:off x="8005797" y="4213313"/>
+              <a:ext cx="673165" cy="824424"/>
+            </a:xfrm>
+            <a:prstGeom prst="line">
+              <a:avLst/>
+            </a:prstGeom>
+            <a:ln w="6350">
+              <a:solidFill>
+                <a:schemeClr val="tx1"/>
+              </a:solidFill>
+            </a:ln>
+          </p:spPr>
+          <p:style>
+            <a:lnRef idx="1">
+              <a:schemeClr val="accent1"/>
+            </a:lnRef>
+            <a:fillRef idx="0">
+              <a:schemeClr val="accent1"/>
+            </a:fillRef>
+            <a:effectRef idx="0">
+              <a:schemeClr val="accent1"/>
+            </a:effectRef>
+            <a:fontRef idx="minor">
+              <a:schemeClr val="tx1"/>
+            </a:fontRef>
+          </p:style>
+        </p:cxnSp>
+      </p:grpSp>
+    </p:spTree>
+    <p:extLst>
+      <p:ext uri="{BB962C8B-B14F-4D97-AF65-F5344CB8AC3E}">
+        <p14:creationId xmlns:p14="http://schemas.microsoft.com/office/powerpoint/2010/main" val="1567130634"/>
+      </p:ext>
+    </p:extLst>
+  </p:cSld>
+  <p:clrMapOvr>
+    <a:masterClrMapping/>
+  </p:clrMapOvr>
+</p:sld>
+</file>
+
+<file path=ppt/slides/slide5.xml><?xml version="1.0" encoding="utf-8"?>
 <p:sld xmlns:a="http://schemas.openxmlformats.org/drawingml/2006/main" xmlns:r="http://schemas.openxmlformats.org/officeDocument/2006/relationships" xmlns:p="http://schemas.openxmlformats.org/presentationml/2006/main">
   <p:cSld>
     <p:spTree>
